--- a/创课/ppt/ppt/Vue项目最佳实践-许群海.pptx
+++ b/创课/ppt/ppt/Vue项目最佳实践-许群海.pptx
@@ -84,7 +84,7 @@
   <p:sldSz cx="9144000" cy="5143500"/>
   <p:notesSz cx="5143500" cy="9144000"/>
   <p:custDataLst>
-    <p:tags r:id="rId79"/>
+    <p:tags r:id="rId80"/>
   </p:custDataLst>
   <p:defaultTextStyle>
     <a:lvl1pPr marL="0" algn="l" defTabSz="914400" rtl="0" eaLnBrk="1" latinLnBrk="0" hangingPunct="1">
@@ -179,6 +179,21 @@
     </a:lvl9pPr>
   </p:defaultTextStyle>
 </p:presentation>
+</file>
+
+<file path=ppt/commentAuthors.xml><?xml version="1.0" encoding="utf-8"?>
+<p:cmAuthorLst xmlns:a="http://schemas.openxmlformats.org/drawingml/2006/main" xmlns:r="http://schemas.openxmlformats.org/officeDocument/2006/relationships" xmlns:p="http://schemas.openxmlformats.org/presentationml/2006/main">
+  <p:cmAuthor id="1" name="Administrator" initials="A" lastIdx="1" clrIdx="0"/>
+</p:cmAuthorLst>
+</file>
+
+<file path=ppt/comments/comment1.xml><?xml version="1.0" encoding="utf-8"?>
+<p:cmLst xmlns:a="http://schemas.openxmlformats.org/drawingml/2006/main" xmlns:r="http://schemas.openxmlformats.org/officeDocument/2006/relationships" xmlns:p="http://schemas.openxmlformats.org/presentationml/2006/main">
+  <p:cm authorId="1" dt="2024-08-23T17:05:31.434" idx="1">
+    <p:pos x="5492" y="199"/>
+    <p:text/>
+  </p:cm>
+</p:cmLst>
 </file>
 
 <file path=ppt/notesMasters/notesMaster1.xml><?xml version="1.0" encoding="utf-8"?>

--- a/创课/ppt/ppt/Vue项目最佳实践-许群海.pptx
+++ b/创课/ppt/ppt/Vue项目最佳实践-许群海.pptx
@@ -6506,7 +6506,7 @@
         <a:spcBef>
           <a:spcPct val="20000"/>
         </a:spcBef>
-        <a:buFont typeface="Arial" panose="020B0604020202020204" pitchFamily="34" charset="0"/>
+        <a:buFont typeface="Arial" panose="020B0604020202090204" pitchFamily="34" charset="0"/>
         <a:buChar char="•"/>
         <a:defRPr sz="3200" kern="1200">
           <a:solidFill>
@@ -6521,7 +6521,7 @@
         <a:spcBef>
           <a:spcPct val="20000"/>
         </a:spcBef>
-        <a:buFont typeface="Arial" panose="020B0604020202020204" pitchFamily="34" charset="0"/>
+        <a:buFont typeface="Arial" panose="020B0604020202090204" pitchFamily="34" charset="0"/>
         <a:buChar char="–"/>
         <a:defRPr sz="2800" kern="1200">
           <a:solidFill>
@@ -6536,7 +6536,7 @@
         <a:spcBef>
           <a:spcPct val="20000"/>
         </a:spcBef>
-        <a:buFont typeface="Arial" panose="020B0604020202020204" pitchFamily="34" charset="0"/>
+        <a:buFont typeface="Arial" panose="020B0604020202090204" pitchFamily="34" charset="0"/>
         <a:buChar char="•"/>
         <a:defRPr sz="2400" kern="1200">
           <a:solidFill>
@@ -6551,7 +6551,7 @@
         <a:spcBef>
           <a:spcPct val="20000"/>
         </a:spcBef>
-        <a:buFont typeface="Arial" panose="020B0604020202020204" pitchFamily="34" charset="0"/>
+        <a:buFont typeface="Arial" panose="020B0604020202090204" pitchFamily="34" charset="0"/>
         <a:buChar char="–"/>
         <a:defRPr sz="2000" kern="1200">
           <a:solidFill>
@@ -6566,7 +6566,7 @@
         <a:spcBef>
           <a:spcPct val="20000"/>
         </a:spcBef>
-        <a:buFont typeface="Arial" panose="020B0604020202020204" pitchFamily="34" charset="0"/>
+        <a:buFont typeface="Arial" panose="020B0604020202090204" pitchFamily="34" charset="0"/>
         <a:buChar char="»"/>
         <a:defRPr sz="2000" kern="1200">
           <a:solidFill>
@@ -6581,7 +6581,7 @@
         <a:spcBef>
           <a:spcPct val="20000"/>
         </a:spcBef>
-        <a:buFont typeface="Arial" panose="020B0604020202020204" pitchFamily="34" charset="0"/>
+        <a:buFont typeface="Arial" panose="020B0604020202090204" pitchFamily="34" charset="0"/>
         <a:buChar char="•"/>
         <a:defRPr sz="2000" kern="1200">
           <a:solidFill>
@@ -6596,7 +6596,7 @@
         <a:spcBef>
           <a:spcPct val="20000"/>
         </a:spcBef>
-        <a:buFont typeface="Arial" panose="020B0604020202020204" pitchFamily="34" charset="0"/>
+        <a:buFont typeface="Arial" panose="020B0604020202090204" pitchFamily="34" charset="0"/>
         <a:buChar char="•"/>
         <a:defRPr sz="2000" kern="1200">
           <a:solidFill>
@@ -6611,7 +6611,7 @@
         <a:spcBef>
           <a:spcPct val="20000"/>
         </a:spcBef>
-        <a:buFont typeface="Arial" panose="020B0604020202020204" pitchFamily="34" charset="0"/>
+        <a:buFont typeface="Arial" panose="020B0604020202090204" pitchFamily="34" charset="0"/>
         <a:buChar char="•"/>
         <a:defRPr sz="2000" kern="1200">
           <a:solidFill>
@@ -6626,7 +6626,7 @@
         <a:spcBef>
           <a:spcPct val="20000"/>
         </a:spcBef>
-        <a:buFont typeface="Arial" panose="020B0604020202020204" pitchFamily="34" charset="0"/>
+        <a:buFont typeface="Arial" panose="020B0604020202090204" pitchFamily="34" charset="0"/>
         <a:buChar char="•"/>
         <a:defRPr sz="2000" kern="1200">
           <a:solidFill>
@@ -13880,9 +13880,9 @@
                 <a:solidFill>
                   <a:srgbClr val="000000"/>
                 </a:solidFill>
-                <a:latin typeface="Arial" panose="020B0604020202020204" pitchFamily="34" charset="0"/>
-                <a:ea typeface="Arial" panose="020B0604020202020204" pitchFamily="34" charset="-122"/>
-                <a:cs typeface="Arial" panose="020B0604020202020204" pitchFamily="34" charset="-120"/>
+                <a:latin typeface="Arial" panose="020B0604020202090204" pitchFamily="34" charset="0"/>
+                <a:ea typeface="Arial" panose="020B0604020202090204" pitchFamily="34" charset="-122"/>
+                <a:cs typeface="Arial" panose="020B0604020202090204" pitchFamily="34" charset="-120"/>
               </a:rPr>
               <a:t>01</a:t>
             </a:r>
@@ -14006,9 +14006,9 @@
                 <a:solidFill>
                   <a:srgbClr val="000000"/>
                 </a:solidFill>
-                <a:latin typeface="Arial" panose="020B0604020202020204" pitchFamily="34" charset="0"/>
-                <a:ea typeface="Arial" panose="020B0604020202020204" pitchFamily="34" charset="-122"/>
-                <a:cs typeface="Arial" panose="020B0604020202020204" pitchFamily="34" charset="-120"/>
+                <a:latin typeface="Arial" panose="020B0604020202090204" pitchFamily="34" charset="0"/>
+                <a:ea typeface="Arial" panose="020B0604020202090204" pitchFamily="34" charset="-122"/>
+                <a:cs typeface="Arial" panose="020B0604020202090204" pitchFamily="34" charset="-120"/>
               </a:rPr>
               <a:t>02</a:t>
             </a:r>
@@ -14132,9 +14132,9 @@
                 <a:solidFill>
                   <a:srgbClr val="FFFFFF"/>
                 </a:solidFill>
-                <a:latin typeface="Arial" panose="020B0604020202020204" pitchFamily="34" charset="0"/>
-                <a:ea typeface="Arial" panose="020B0604020202020204" pitchFamily="34" charset="-122"/>
-                <a:cs typeface="Arial" panose="020B0604020202020204" pitchFamily="34" charset="-120"/>
+                <a:latin typeface="Arial" panose="020B0604020202090204" pitchFamily="34" charset="0"/>
+                <a:ea typeface="Arial" panose="020B0604020202090204" pitchFamily="34" charset="-122"/>
+                <a:cs typeface="Arial" panose="020B0604020202090204" pitchFamily="34" charset="-120"/>
               </a:rPr>
               <a:t>03</a:t>
             </a:r>
@@ -19931,9 +19931,9 @@
                 <a:solidFill>
                   <a:srgbClr val="000000"/>
                 </a:solidFill>
-                <a:latin typeface="Arial" panose="020B0604020202020204" pitchFamily="34" charset="0"/>
-                <a:ea typeface="Arial" panose="020B0604020202020204" pitchFamily="34" charset="-122"/>
-                <a:cs typeface="Arial" panose="020B0604020202020204" pitchFamily="34" charset="-120"/>
+                <a:latin typeface="Arial" panose="020B0604020202090204" pitchFamily="34" charset="0"/>
+                <a:ea typeface="Arial" panose="020B0604020202090204" pitchFamily="34" charset="-122"/>
+                <a:cs typeface="Arial" panose="020B0604020202090204" pitchFamily="34" charset="-120"/>
               </a:rPr>
               <a:t>01</a:t>
             </a:r>
@@ -20053,9 +20053,9 @@
                 <a:solidFill>
                   <a:srgbClr val="000000"/>
                 </a:solidFill>
-                <a:latin typeface="Arial" panose="020B0604020202020204" pitchFamily="34" charset="0"/>
-                <a:ea typeface="Arial" panose="020B0604020202020204" pitchFamily="34" charset="-122"/>
-                <a:cs typeface="Arial" panose="020B0604020202020204" pitchFamily="34" charset="-120"/>
+                <a:latin typeface="Arial" panose="020B0604020202090204" pitchFamily="34" charset="0"/>
+                <a:ea typeface="Arial" panose="020B0604020202090204" pitchFamily="34" charset="-122"/>
+                <a:cs typeface="Arial" panose="020B0604020202090204" pitchFamily="34" charset="-120"/>
               </a:rPr>
               <a:t>02</a:t>
             </a:r>
@@ -20175,9 +20175,9 @@
                 <a:solidFill>
                   <a:srgbClr val="FFFFFF"/>
                 </a:solidFill>
-                <a:latin typeface="Arial" panose="020B0604020202020204" pitchFamily="34" charset="0"/>
-                <a:ea typeface="Arial" panose="020B0604020202020204" pitchFamily="34" charset="-122"/>
-                <a:cs typeface="Arial" panose="020B0604020202020204" pitchFamily="34" charset="-120"/>
+                <a:latin typeface="Arial" panose="020B0604020202090204" pitchFamily="34" charset="0"/>
+                <a:ea typeface="Arial" panose="020B0604020202090204" pitchFamily="34" charset="-122"/>
+                <a:cs typeface="Arial" panose="020B0604020202090204" pitchFamily="34" charset="-120"/>
               </a:rPr>
               <a:t>03</a:t>
             </a:r>
@@ -21522,9 +21522,9 @@
                 <a:solidFill>
                   <a:srgbClr val="000000"/>
                 </a:solidFill>
-                <a:latin typeface="Arial" panose="020B0604020202020204" pitchFamily="34" charset="0"/>
-                <a:ea typeface="Arial" panose="020B0604020202020204" pitchFamily="34" charset="-122"/>
-                <a:cs typeface="Arial" panose="020B0604020202020204" pitchFamily="34" charset="-120"/>
+                <a:latin typeface="Arial" panose="020B0604020202090204" pitchFamily="34" charset="0"/>
+                <a:ea typeface="Arial" panose="020B0604020202090204" pitchFamily="34" charset="-122"/>
+                <a:cs typeface="Arial" panose="020B0604020202090204" pitchFamily="34" charset="-120"/>
               </a:rPr>
               <a:t>01</a:t>
             </a:r>
@@ -21648,9 +21648,9 @@
                 <a:solidFill>
                   <a:srgbClr val="000000"/>
                 </a:solidFill>
-                <a:latin typeface="Arial" panose="020B0604020202020204" pitchFamily="34" charset="0"/>
-                <a:ea typeface="Arial" panose="020B0604020202020204" pitchFamily="34" charset="-122"/>
-                <a:cs typeface="Arial" panose="020B0604020202020204" pitchFamily="34" charset="-120"/>
+                <a:latin typeface="Arial" panose="020B0604020202090204" pitchFamily="34" charset="0"/>
+                <a:ea typeface="Arial" panose="020B0604020202090204" pitchFamily="34" charset="-122"/>
+                <a:cs typeface="Arial" panose="020B0604020202090204" pitchFamily="34" charset="-120"/>
               </a:rPr>
               <a:t>02</a:t>
             </a:r>
@@ -21774,9 +21774,9 @@
                 <a:solidFill>
                   <a:srgbClr val="FFFFFF"/>
                 </a:solidFill>
-                <a:latin typeface="Arial" panose="020B0604020202020204" pitchFamily="34" charset="0"/>
-                <a:ea typeface="Arial" panose="020B0604020202020204" pitchFamily="34" charset="-122"/>
-                <a:cs typeface="Arial" panose="020B0604020202020204" pitchFamily="34" charset="-120"/>
+                <a:latin typeface="Arial" panose="020B0604020202090204" pitchFamily="34" charset="0"/>
+                <a:ea typeface="Arial" panose="020B0604020202090204" pitchFamily="34" charset="-122"/>
+                <a:cs typeface="Arial" panose="020B0604020202090204" pitchFamily="34" charset="-120"/>
               </a:rPr>
               <a:t>03</a:t>
             </a:r>
